--- a/cafe-IT5!/文化祭Cafe.pptx
+++ b/cafe-IT5!/文化祭Cafe.pptx
@@ -5,7 +5,7 @@
     <p:sldMasterId id="2147483660" r:id="rId1"/>
   </p:sldMasterIdLst>
   <p:notesMasterIdLst>
-    <p:notesMasterId r:id="rId12"/>
+    <p:notesMasterId r:id="rId14"/>
   </p:notesMasterIdLst>
   <p:sldIdLst>
     <p:sldId id="256" r:id="rId2"/>
@@ -17,7 +17,9 @@
     <p:sldId id="263" r:id="rId8"/>
     <p:sldId id="264" r:id="rId9"/>
     <p:sldId id="265" r:id="rId10"/>
-    <p:sldId id="266" r:id="rId11"/>
+    <p:sldId id="268" r:id="rId11"/>
+    <p:sldId id="267" r:id="rId12"/>
+    <p:sldId id="266" r:id="rId13"/>
   </p:sldIdLst>
   <p:sldSz cx="12192000" cy="6858000"/>
   <p:notesSz cx="6858000" cy="9144000"/>
@@ -116,6 +118,11 @@
       </a:defRPr>
     </a:lvl9pPr>
   </p:defaultTextStyle>
+  <p:extLst>
+    <p:ext uri="{EFAFB233-063F-42B5-8137-9DF3F51BA10A}">
+      <p15:sldGuideLst xmlns:p15="http://schemas.microsoft.com/office/powerpoint/2012/main"/>
+    </p:ext>
+  </p:extLst>
 </p:presentation>
 </file>
 
@@ -213,7 +220,7 @@
           <a:p>
             <a:fld id="{970A9644-4FAF-4063-ADD5-6C7A788109C0}" type="datetimeFigureOut">
               <a:rPr kumimoji="1" lang="ja-JP" altLang="en-US" smtClean="0"/>
-              <a:t>2015/12/6</a:t>
+              <a:t>2015/12/7</a:t>
             </a:fld>
             <a:endParaRPr kumimoji="1" lang="ja-JP" altLang="en-US"/>
           </a:p>
@@ -871,7 +878,7 @@
           <a:p>
             <a:fld id="{233F57AF-6DB9-4F5E-9B0B-44E1A9D2564E}" type="datetime1">
               <a:rPr kumimoji="1" lang="ja-JP" altLang="en-US" smtClean="0"/>
-              <a:t>2015/12/6</a:t>
+              <a:t>2015/12/7</a:t>
             </a:fld>
             <a:endParaRPr kumimoji="1" lang="ja-JP" altLang="en-US"/>
           </a:p>
@@ -1285,7 +1292,7 @@
           <a:p>
             <a:fld id="{718BD325-CE83-4D6B-9510-92CFA68AAB1A}" type="datetime1">
               <a:rPr kumimoji="1" lang="ja-JP" altLang="en-US" smtClean="0"/>
-              <a:t>2015/12/6</a:t>
+              <a:t>2015/12/7</a:t>
             </a:fld>
             <a:endParaRPr kumimoji="1" lang="ja-JP" altLang="en-US"/>
           </a:p>
@@ -1621,7 +1628,7 @@
           <a:p>
             <a:fld id="{D6B9D971-875D-4E4B-ABE8-6E72302F02DA}" type="datetime1">
               <a:rPr kumimoji="1" lang="ja-JP" altLang="en-US" smtClean="0"/>
-              <a:t>2015/12/6</a:t>
+              <a:t>2015/12/7</a:t>
             </a:fld>
             <a:endParaRPr kumimoji="1" lang="ja-JP" altLang="en-US"/>
           </a:p>
@@ -2026,7 +2033,7 @@
           <a:p>
             <a:fld id="{4EEC08DC-20ED-42F4-B4C4-6C600E66B28C}" type="datetime1">
               <a:rPr kumimoji="1" lang="ja-JP" altLang="en-US" smtClean="0"/>
-              <a:t>2015/12/6</a:t>
+              <a:t>2015/12/7</a:t>
             </a:fld>
             <a:endParaRPr kumimoji="1" lang="ja-JP" altLang="en-US"/>
           </a:p>
@@ -2594,7 +2601,7 @@
           <a:p>
             <a:fld id="{20D01F0E-472B-4566-BD17-93981E4C0792}" type="datetime1">
               <a:rPr kumimoji="1" lang="ja-JP" altLang="en-US" smtClean="0"/>
-              <a:t>2015/12/6</a:t>
+              <a:t>2015/12/7</a:t>
             </a:fld>
             <a:endParaRPr kumimoji="1" lang="ja-JP" altLang="en-US"/>
           </a:p>
@@ -3275,7 +3282,7 @@
           <a:p>
             <a:fld id="{0CA77827-8F7E-4E5F-9148-C0F25C60132B}" type="datetime1">
               <a:rPr kumimoji="1" lang="ja-JP" altLang="en-US" smtClean="0"/>
-              <a:t>2015/12/6</a:t>
+              <a:t>2015/12/7</a:t>
             </a:fld>
             <a:endParaRPr kumimoji="1" lang="ja-JP" altLang="en-US"/>
           </a:p>
@@ -4188,7 +4195,7 @@
           <a:p>
             <a:fld id="{9B097E67-A1DD-4E4E-AB62-716BCA4F7427}" type="datetime1">
               <a:rPr kumimoji="1" lang="ja-JP" altLang="en-US" smtClean="0"/>
-              <a:t>2015/12/6</a:t>
+              <a:t>2015/12/7</a:t>
             </a:fld>
             <a:endParaRPr kumimoji="1" lang="ja-JP" altLang="en-US"/>
           </a:p>
@@ -4533,7 +4540,7 @@
           <a:p>
             <a:fld id="{EE97A98F-7A65-46CB-B924-DD3FF9099FFE}" type="datetime1">
               <a:rPr kumimoji="1" lang="ja-JP" altLang="en-US" smtClean="0"/>
-              <a:t>2015/12/6</a:t>
+              <a:t>2015/12/7</a:t>
             </a:fld>
             <a:endParaRPr kumimoji="1" lang="ja-JP" altLang="en-US"/>
           </a:p>
@@ -4829,7 +4836,7 @@
           <a:p>
             <a:fld id="{6B70A261-81B9-47D7-AE75-25AC01002386}" type="datetime1">
               <a:rPr kumimoji="1" lang="ja-JP" altLang="en-US" smtClean="0"/>
-              <a:t>2015/12/6</a:t>
+              <a:t>2015/12/7</a:t>
             </a:fld>
             <a:endParaRPr kumimoji="1" lang="ja-JP" altLang="en-US"/>
           </a:p>
@@ -5184,7 +5191,7 @@
           <a:p>
             <a:fld id="{D58F1012-4C66-46E9-8221-C4C2410306EE}" type="datetime1">
               <a:rPr kumimoji="1" lang="ja-JP" altLang="en-US" smtClean="0"/>
-              <a:t>2015/12/6</a:t>
+              <a:t>2015/12/7</a:t>
             </a:fld>
             <a:endParaRPr kumimoji="1" lang="ja-JP" altLang="en-US"/>
           </a:p>
@@ -5573,7 +5580,7 @@
           <a:p>
             <a:fld id="{366E4D87-8389-4EB5-A415-98921324319E}" type="datetime1">
               <a:rPr kumimoji="1" lang="ja-JP" altLang="en-US" smtClean="0"/>
-              <a:t>2015/12/6</a:t>
+              <a:t>2015/12/7</a:t>
             </a:fld>
             <a:endParaRPr kumimoji="1" lang="ja-JP" altLang="en-US"/>
           </a:p>
@@ -6013,7 +6020,7 @@
           <a:p>
             <a:fld id="{DAC924E2-3A92-4ACF-8CFF-E0C982A5FDCC}" type="datetime1">
               <a:rPr kumimoji="1" lang="ja-JP" altLang="en-US" smtClean="0"/>
-              <a:t>2015/12/6</a:t>
+              <a:t>2015/12/7</a:t>
             </a:fld>
             <a:endParaRPr kumimoji="1" lang="ja-JP" altLang="en-US"/>
           </a:p>
@@ -6583,7 +6590,7 @@
           <a:p>
             <a:fld id="{6EFF88F6-8704-4B85-8593-828E417A2B08}" type="datetime1">
               <a:rPr kumimoji="1" lang="ja-JP" altLang="en-US" smtClean="0"/>
-              <a:t>2015/12/6</a:t>
+              <a:t>2015/12/7</a:t>
             </a:fld>
             <a:endParaRPr kumimoji="1" lang="ja-JP" altLang="en-US"/>
           </a:p>
@@ -6840,7 +6847,7 @@
           <a:p>
             <a:fld id="{D465EE22-3E76-43A1-8F4B-A1AE7316B7F4}" type="datetime1">
               <a:rPr kumimoji="1" lang="ja-JP" altLang="en-US" smtClean="0"/>
-              <a:t>2015/12/6</a:t>
+              <a:t>2015/12/7</a:t>
             </a:fld>
             <a:endParaRPr kumimoji="1" lang="ja-JP" altLang="en-US"/>
           </a:p>
@@ -7003,7 +7010,7 @@
           <a:p>
             <a:fld id="{E2DFDB87-D71F-41B2-A2D2-388895A0B9D3}" type="datetime1">
               <a:rPr kumimoji="1" lang="ja-JP" altLang="en-US" smtClean="0"/>
-              <a:t>2015/12/6</a:t>
+              <a:t>2015/12/7</a:t>
             </a:fld>
             <a:endParaRPr kumimoji="1" lang="ja-JP" altLang="en-US"/>
           </a:p>
@@ -7425,7 +7432,7 @@
           <a:p>
             <a:fld id="{E22F85A6-2CCB-4FDC-A324-74CF30C97C40}" type="datetime1">
               <a:rPr kumimoji="1" lang="ja-JP" altLang="en-US" smtClean="0"/>
-              <a:t>2015/12/6</a:t>
+              <a:t>2015/12/7</a:t>
             </a:fld>
             <a:endParaRPr kumimoji="1" lang="ja-JP" altLang="en-US"/>
           </a:p>
@@ -7834,7 +7841,7 @@
           <a:p>
             <a:fld id="{3916D918-5178-410A-850B-5A167EBDFECE}" type="datetime1">
               <a:rPr kumimoji="1" lang="ja-JP" altLang="en-US" smtClean="0"/>
-              <a:t>2015/12/6</a:t>
+              <a:t>2015/12/7</a:t>
             </a:fld>
             <a:endParaRPr kumimoji="1" lang="ja-JP" altLang="en-US"/>
           </a:p>
@@ -8110,7 +8117,7 @@
           <a:p>
             <a:fld id="{78931C3D-3137-4C50-90F3-03E5E0F88712}" type="datetime1">
               <a:rPr kumimoji="1" lang="ja-JP" altLang="en-US" smtClean="0"/>
-              <a:t>2015/12/6</a:t>
+              <a:t>2015/12/7</a:t>
             </a:fld>
             <a:endParaRPr kumimoji="1" lang="ja-JP" altLang="en-US"/>
           </a:p>
@@ -8845,6 +8852,226 @@
           <a:lstStyle/>
           <a:p>
             <a:r>
+              <a:rPr lang="en-US" altLang="ja-JP" dirty="0"/>
+              <a:t>Twitter</a:t>
+            </a:r>
+            <a:r>
+              <a:rPr lang="en-US" altLang="ja-JP" sz="2400" dirty="0"/>
+              <a:t>(</a:t>
+            </a:r>
+            <a:r>
+              <a:rPr lang="en-US" altLang="ja-JP" sz="2400" dirty="0">
+                <a:hlinkClick r:id="rId2"/>
+              </a:rPr>
+              <a:t>https://twitter.com/2cCafe</a:t>
+            </a:r>
+            <a:r>
+              <a:rPr lang="en-US" altLang="ja-JP" sz="2400" dirty="0"/>
+              <a:t>)</a:t>
+            </a:r>
+            <a:endParaRPr kumimoji="1" lang="ja-JP" altLang="en-US" sz="2400" dirty="0"/>
+          </a:p>
+        </p:txBody>
+      </p:sp>
+      <p:pic>
+        <p:nvPicPr>
+          <p:cNvPr id="5" name="コンテンツ プレースホルダー 4"/>
+          <p:cNvPicPr>
+            <a:picLocks noGrp="1" noChangeAspect="1"/>
+          </p:cNvPicPr>
+          <p:nvPr>
+            <p:ph idx="1"/>
+          </p:nvPr>
+        </p:nvPicPr>
+        <p:blipFill rotWithShape="1">
+          <a:blip r:embed="rId3" cstate="print">
+            <a:extLst>
+              <a:ext uri="{28A0092B-C50C-407E-A947-70E740481C1C}">
+                <a14:useLocalDpi xmlns:a14="http://schemas.microsoft.com/office/drawing/2010/main" val="0"/>
+              </a:ext>
+            </a:extLst>
+          </a:blip>
+          <a:srcRect r="25662" b="2511"/>
+          <a:stretch/>
+        </p:blipFill>
+        <p:spPr>
+          <a:xfrm>
+            <a:off x="3374808" y="2336800"/>
+            <a:ext cx="5442385" cy="3548611"/>
+          </a:xfrm>
+        </p:spPr>
+      </p:pic>
+      <p:sp>
+        <p:nvSpPr>
+          <p:cNvPr id="4" name="スライド番号プレースホルダー 3"/>
+          <p:cNvSpPr>
+            <a:spLocks noGrp="1"/>
+          </p:cNvSpPr>
+          <p:nvPr>
+            <p:ph type="sldNum" sz="quarter" idx="12"/>
+          </p:nvPr>
+        </p:nvSpPr>
+        <p:spPr/>
+        <p:txBody>
+          <a:bodyPr/>
+          <a:lstStyle/>
+          <a:p>
+            <a:fld id="{2E99E459-BD45-4AA5-B181-03B7F1CEF33A}" type="slidenum">
+              <a:rPr kumimoji="1" lang="ja-JP" altLang="en-US" smtClean="0"/>
+              <a:t>10</a:t>
+            </a:fld>
+            <a:endParaRPr kumimoji="1" lang="ja-JP" altLang="en-US"/>
+          </a:p>
+        </p:txBody>
+      </p:sp>
+    </p:spTree>
+    <p:extLst>
+      <p:ext uri="{BB962C8B-B14F-4D97-AF65-F5344CB8AC3E}">
+        <p14:creationId xmlns:p14="http://schemas.microsoft.com/office/powerpoint/2010/main" val="3765441609"/>
+      </p:ext>
+    </p:extLst>
+  </p:cSld>
+  <p:clrMapOvr>
+    <a:masterClrMapping/>
+  </p:clrMapOvr>
+</p:sld>
+</file>
+
+<file path=ppt/slides/slide11.xml><?xml version="1.0" encoding="utf-8"?>
+<p:sld xmlns:a="http://schemas.openxmlformats.org/drawingml/2006/main" xmlns:r="http://schemas.openxmlformats.org/officeDocument/2006/relationships" xmlns:p="http://schemas.openxmlformats.org/presentationml/2006/main">
+  <p:cSld>
+    <p:spTree>
+      <p:nvGrpSpPr>
+        <p:cNvPr id="1" name=""/>
+        <p:cNvGrpSpPr/>
+        <p:nvPr/>
+      </p:nvGrpSpPr>
+      <p:grpSpPr>
+        <a:xfrm>
+          <a:off x="0" y="0"/>
+          <a:ext cx="0" cy="0"/>
+          <a:chOff x="0" y="0"/>
+          <a:chExt cx="0" cy="0"/>
+        </a:xfrm>
+      </p:grpSpPr>
+      <p:sp>
+        <p:nvSpPr>
+          <p:cNvPr id="2" name="タイトル 1"/>
+          <p:cNvSpPr>
+            <a:spLocks noGrp="1"/>
+          </p:cNvSpPr>
+          <p:nvPr>
+            <p:ph type="title"/>
+          </p:nvPr>
+        </p:nvSpPr>
+        <p:spPr/>
+        <p:txBody>
+          <a:bodyPr/>
+          <a:lstStyle/>
+          <a:p>
+            <a:r>
+              <a:rPr kumimoji="1" lang="ja-JP" altLang="en-US" dirty="0" smtClean="0"/>
+              <a:t>店内図</a:t>
+            </a:r>
+            <a:endParaRPr kumimoji="1" lang="ja-JP" altLang="en-US" dirty="0"/>
+          </a:p>
+        </p:txBody>
+      </p:sp>
+      <p:pic>
+        <p:nvPicPr>
+          <p:cNvPr id="5" name="コンテンツ プレースホルダー 4"/>
+          <p:cNvPicPr>
+            <a:picLocks noGrp="1" noChangeAspect="1"/>
+          </p:cNvPicPr>
+          <p:nvPr>
+            <p:ph idx="1"/>
+          </p:nvPr>
+        </p:nvPicPr>
+        <p:blipFill>
+          <a:blip r:embed="rId2"/>
+          <a:stretch>
+            <a:fillRect/>
+          </a:stretch>
+        </p:blipFill>
+        <p:spPr>
+          <a:xfrm>
+            <a:off x="2431587" y="2287024"/>
+            <a:ext cx="7328826" cy="4122465"/>
+          </a:xfrm>
+          <a:prstGeom prst="rect">
+            <a:avLst/>
+          </a:prstGeom>
+        </p:spPr>
+      </p:pic>
+      <p:sp>
+        <p:nvSpPr>
+          <p:cNvPr id="4" name="スライド番号プレースホルダー 3"/>
+          <p:cNvSpPr>
+            <a:spLocks noGrp="1"/>
+          </p:cNvSpPr>
+          <p:nvPr>
+            <p:ph type="sldNum" sz="quarter" idx="12"/>
+          </p:nvPr>
+        </p:nvSpPr>
+        <p:spPr/>
+        <p:txBody>
+          <a:bodyPr/>
+          <a:lstStyle/>
+          <a:p>
+            <a:fld id="{2E99E459-BD45-4AA5-B181-03B7F1CEF33A}" type="slidenum">
+              <a:rPr kumimoji="1" lang="ja-JP" altLang="en-US" smtClean="0"/>
+              <a:t>11</a:t>
+            </a:fld>
+            <a:endParaRPr kumimoji="1" lang="ja-JP" altLang="en-US"/>
+          </a:p>
+        </p:txBody>
+      </p:sp>
+    </p:spTree>
+    <p:extLst>
+      <p:ext uri="{BB962C8B-B14F-4D97-AF65-F5344CB8AC3E}">
+        <p14:creationId xmlns:p14="http://schemas.microsoft.com/office/powerpoint/2010/main" val="110107664"/>
+      </p:ext>
+    </p:extLst>
+  </p:cSld>
+  <p:clrMapOvr>
+    <a:masterClrMapping/>
+  </p:clrMapOvr>
+</p:sld>
+</file>
+
+<file path=ppt/slides/slide12.xml><?xml version="1.0" encoding="utf-8"?>
+<p:sld xmlns:a="http://schemas.openxmlformats.org/drawingml/2006/main" xmlns:r="http://schemas.openxmlformats.org/officeDocument/2006/relationships" xmlns:p="http://schemas.openxmlformats.org/presentationml/2006/main">
+  <p:cSld>
+    <p:spTree>
+      <p:nvGrpSpPr>
+        <p:cNvPr id="1" name=""/>
+        <p:cNvGrpSpPr/>
+        <p:nvPr/>
+      </p:nvGrpSpPr>
+      <p:grpSpPr>
+        <a:xfrm>
+          <a:off x="0" y="0"/>
+          <a:ext cx="0" cy="0"/>
+          <a:chOff x="0" y="0"/>
+          <a:chExt cx="0" cy="0"/>
+        </a:xfrm>
+      </p:grpSpPr>
+      <p:sp>
+        <p:nvSpPr>
+          <p:cNvPr id="2" name="タイトル 1"/>
+          <p:cNvSpPr>
+            <a:spLocks noGrp="1"/>
+          </p:cNvSpPr>
+          <p:nvPr>
+            <p:ph type="title"/>
+          </p:nvPr>
+        </p:nvSpPr>
+        <p:spPr/>
+        <p:txBody>
+          <a:bodyPr/>
+          <a:lstStyle/>
+          <a:p>
+            <a:r>
               <a:rPr kumimoji="1" lang="ja-JP" altLang="en-US" dirty="0" smtClean="0"/>
               <a:t>参考資料・画像</a:t>
             </a:r>
@@ -9057,7 +9284,7 @@
           <a:p>
             <a:fld id="{2E99E459-BD45-4AA5-B181-03B7F1CEF33A}" type="slidenum">
               <a:rPr kumimoji="1" lang="ja-JP" altLang="en-US" smtClean="0"/>
-              <a:t>10</a:t>
+              <a:t>12</a:t>
             </a:fld>
             <a:endParaRPr kumimoji="1" lang="ja-JP" altLang="en-US"/>
           </a:p>
@@ -9695,7 +9922,11 @@
             </a:r>
             <a:r>
               <a:rPr lang="ja-JP" altLang="en-US" dirty="0" smtClean="0"/>
-              <a:t>（班員の昔のクラスを参考に）</a:t>
+              <a:t>（班員の昔のクラスを参考に</a:t>
+            </a:r>
+            <a:r>
+              <a:rPr lang="ja-JP" altLang="en-US" dirty="0" smtClean="0"/>
+              <a:t>）</a:t>
             </a:r>
             <a:endParaRPr lang="en-US" altLang="ja-JP" dirty="0"/>
           </a:p>
@@ -10112,11 +10343,7 @@
             </a:r>
             <a:r>
               <a:rPr lang="ja-JP" altLang="ja-JP" sz="1800" dirty="0"/>
-              <a:t>つの</a:t>
-            </a:r>
-            <a:r>
-              <a:rPr lang="ja-JP" altLang="ja-JP" sz="1800" dirty="0"/>
-              <a:t>机で班の形を作り、それを飲食用テーブル</a:t>
+              <a:t>つの机で班の形を作り、それを飲食用テーブル</a:t>
             </a:r>
             <a:r>
               <a:rPr lang="ja-JP" altLang="ja-JP" sz="1800" dirty="0" smtClean="0"/>
